--- a/ppt 16-9/0876.同路人.pptx
+++ b/ppt 16-9/0876.同路人.pptx
@@ -129,7 +129,7 @@
           <p:cNvPr id="2" name="标题 1">
             <a:extLst>
               <a:ext uri="{FF2B5EF4-FFF2-40B4-BE49-F238E27FC236}">
-                <a16:creationId xmlns:a16="http://schemas.microsoft.com/office/drawing/2014/main" id="{9B853CA1-465B-D4B9-A559-964A644E7E3B}"/>
+                <a16:creationId xmlns:a16="http://schemas.microsoft.com/office/drawing/2014/main" id="{3F01EFFD-8DCB-C5F4-A660-FBBCED034325}"/>
               </a:ext>
             </a:extLst>
           </p:cNvPr>
@@ -166,7 +166,7 @@
           <p:cNvPr id="3" name="副标题 2">
             <a:extLst>
               <a:ext uri="{FF2B5EF4-FFF2-40B4-BE49-F238E27FC236}">
-                <a16:creationId xmlns:a16="http://schemas.microsoft.com/office/drawing/2014/main" id="{D614F06B-B540-39AB-2A1B-663159A76055}"/>
+                <a16:creationId xmlns:a16="http://schemas.microsoft.com/office/drawing/2014/main" id="{22775DFC-7C63-1A0D-9712-C27FA0CA957B}"/>
               </a:ext>
             </a:extLst>
           </p:cNvPr>
@@ -236,7 +236,7 @@
           <p:cNvPr id="4" name="日期占位符 3">
             <a:extLst>
               <a:ext uri="{FF2B5EF4-FFF2-40B4-BE49-F238E27FC236}">
-                <a16:creationId xmlns:a16="http://schemas.microsoft.com/office/drawing/2014/main" id="{231F5ED2-C95A-6752-42A6-150C91187754}"/>
+                <a16:creationId xmlns:a16="http://schemas.microsoft.com/office/drawing/2014/main" id="{B752AFF4-C0F0-3D9D-7F7F-1ABD9E79B816}"/>
               </a:ext>
             </a:extLst>
           </p:cNvPr>
@@ -252,7 +252,7 @@
           <a:bodyPr/>
           <a:lstStyle/>
           <a:p>
-            <a:fld id="{6E7F7ED6-0753-474D-8EA6-C9EA8205FC1F}" type="datetimeFigureOut">
+            <a:fld id="{7A0BFD00-6D92-416E-A26D-2B58A42E631A}" type="datetimeFigureOut">
               <a:rPr lang="zh-CN" altLang="en-US" smtClean="0"/>
               <a:t>2024/3/10</a:t>
             </a:fld>
@@ -265,7 +265,7 @@
           <p:cNvPr id="5" name="页脚占位符 4">
             <a:extLst>
               <a:ext uri="{FF2B5EF4-FFF2-40B4-BE49-F238E27FC236}">
-                <a16:creationId xmlns:a16="http://schemas.microsoft.com/office/drawing/2014/main" id="{D8637031-2C6E-9FF1-AA1B-B2BAFFE907A4}"/>
+                <a16:creationId xmlns:a16="http://schemas.microsoft.com/office/drawing/2014/main" id="{09362BA5-E726-AD61-C2FD-A4EB9A1A10DF}"/>
               </a:ext>
             </a:extLst>
           </p:cNvPr>
@@ -290,7 +290,7 @@
           <p:cNvPr id="6" name="灯片编号占位符 5">
             <a:extLst>
               <a:ext uri="{FF2B5EF4-FFF2-40B4-BE49-F238E27FC236}">
-                <a16:creationId xmlns:a16="http://schemas.microsoft.com/office/drawing/2014/main" id="{67ADC3C1-BD83-BAA2-1ED7-C136ACBA366A}"/>
+                <a16:creationId xmlns:a16="http://schemas.microsoft.com/office/drawing/2014/main" id="{07A1E1A0-D216-D5E6-C30E-5261F629FD94}"/>
               </a:ext>
             </a:extLst>
           </p:cNvPr>
@@ -306,7 +306,7 @@
           <a:bodyPr/>
           <a:lstStyle/>
           <a:p>
-            <a:fld id="{76D6BF2B-1EFC-49EF-ACD0-4A74AFE874DA}" type="slidenum">
+            <a:fld id="{3308A0AE-F03E-4A48-86E9-B74AFA77E1E2}" type="slidenum">
               <a:rPr lang="zh-CN" altLang="en-US" smtClean="0"/>
               <a:t>‹#›</a:t>
             </a:fld>
@@ -317,7 +317,7 @@
     </p:spTree>
     <p:extLst>
       <p:ext uri="{BB962C8B-B14F-4D97-AF65-F5344CB8AC3E}">
-        <p14:creationId xmlns:p14="http://schemas.microsoft.com/office/powerpoint/2010/main" val="476713991"/>
+        <p14:creationId xmlns:p14="http://schemas.microsoft.com/office/powerpoint/2010/main" val="508106678"/>
       </p:ext>
     </p:extLst>
   </p:cSld>
@@ -349,7 +349,7 @@
           <p:cNvPr id="2" name="标题 1">
             <a:extLst>
               <a:ext uri="{FF2B5EF4-FFF2-40B4-BE49-F238E27FC236}">
-                <a16:creationId xmlns:a16="http://schemas.microsoft.com/office/drawing/2014/main" id="{25B0048C-C433-1EB8-3E2D-DA6E2337D434}"/>
+                <a16:creationId xmlns:a16="http://schemas.microsoft.com/office/drawing/2014/main" id="{2696A8EC-42E3-4E71-21B9-5A5548FB0063}"/>
               </a:ext>
             </a:extLst>
           </p:cNvPr>
@@ -377,7 +377,7 @@
           <p:cNvPr id="3" name="竖排文字占位符 2">
             <a:extLst>
               <a:ext uri="{FF2B5EF4-FFF2-40B4-BE49-F238E27FC236}">
-                <a16:creationId xmlns:a16="http://schemas.microsoft.com/office/drawing/2014/main" id="{DE05C811-0ED6-D053-2C95-AD7C4A21AA65}"/>
+                <a16:creationId xmlns:a16="http://schemas.microsoft.com/office/drawing/2014/main" id="{B1D838C6-8C49-A7E1-26A6-EAEE1693B35E}"/>
               </a:ext>
             </a:extLst>
           </p:cNvPr>
@@ -434,7 +434,7 @@
           <p:cNvPr id="4" name="日期占位符 3">
             <a:extLst>
               <a:ext uri="{FF2B5EF4-FFF2-40B4-BE49-F238E27FC236}">
-                <a16:creationId xmlns:a16="http://schemas.microsoft.com/office/drawing/2014/main" id="{BF1EA8C2-1007-7A80-0101-CF7475A3E2FF}"/>
+                <a16:creationId xmlns:a16="http://schemas.microsoft.com/office/drawing/2014/main" id="{DB38A118-E856-7E26-D51E-E9F811614108}"/>
               </a:ext>
             </a:extLst>
           </p:cNvPr>
@@ -450,7 +450,7 @@
           <a:bodyPr/>
           <a:lstStyle/>
           <a:p>
-            <a:fld id="{6E7F7ED6-0753-474D-8EA6-C9EA8205FC1F}" type="datetimeFigureOut">
+            <a:fld id="{7A0BFD00-6D92-416E-A26D-2B58A42E631A}" type="datetimeFigureOut">
               <a:rPr lang="zh-CN" altLang="en-US" smtClean="0"/>
               <a:t>2024/3/10</a:t>
             </a:fld>
@@ -463,7 +463,7 @@
           <p:cNvPr id="5" name="页脚占位符 4">
             <a:extLst>
               <a:ext uri="{FF2B5EF4-FFF2-40B4-BE49-F238E27FC236}">
-                <a16:creationId xmlns:a16="http://schemas.microsoft.com/office/drawing/2014/main" id="{1D69B82C-D62F-5A8D-41F9-CF22FA08006E}"/>
+                <a16:creationId xmlns:a16="http://schemas.microsoft.com/office/drawing/2014/main" id="{E79CB4FE-6BBC-E125-4AC7-B2860E7A5B67}"/>
               </a:ext>
             </a:extLst>
           </p:cNvPr>
@@ -488,7 +488,7 @@
           <p:cNvPr id="6" name="灯片编号占位符 5">
             <a:extLst>
               <a:ext uri="{FF2B5EF4-FFF2-40B4-BE49-F238E27FC236}">
-                <a16:creationId xmlns:a16="http://schemas.microsoft.com/office/drawing/2014/main" id="{BA4E60CA-F257-7342-8992-FA131ABE5A80}"/>
+                <a16:creationId xmlns:a16="http://schemas.microsoft.com/office/drawing/2014/main" id="{A81D39FD-AB80-5E0A-9530-1184844603DC}"/>
               </a:ext>
             </a:extLst>
           </p:cNvPr>
@@ -504,7 +504,7 @@
           <a:bodyPr/>
           <a:lstStyle/>
           <a:p>
-            <a:fld id="{76D6BF2B-1EFC-49EF-ACD0-4A74AFE874DA}" type="slidenum">
+            <a:fld id="{3308A0AE-F03E-4A48-86E9-B74AFA77E1E2}" type="slidenum">
               <a:rPr lang="zh-CN" altLang="en-US" smtClean="0"/>
               <a:t>‹#›</a:t>
             </a:fld>
@@ -515,7 +515,7 @@
     </p:spTree>
     <p:extLst>
       <p:ext uri="{BB962C8B-B14F-4D97-AF65-F5344CB8AC3E}">
-        <p14:creationId xmlns:p14="http://schemas.microsoft.com/office/powerpoint/2010/main" val="165515251"/>
+        <p14:creationId xmlns:p14="http://schemas.microsoft.com/office/powerpoint/2010/main" val="3971658223"/>
       </p:ext>
     </p:extLst>
   </p:cSld>
@@ -547,7 +547,7 @@
           <p:cNvPr id="2" name="竖排标题 1">
             <a:extLst>
               <a:ext uri="{FF2B5EF4-FFF2-40B4-BE49-F238E27FC236}">
-                <a16:creationId xmlns:a16="http://schemas.microsoft.com/office/drawing/2014/main" id="{D1D6ECA5-8462-5E28-6D7D-8F38984F71AE}"/>
+                <a16:creationId xmlns:a16="http://schemas.microsoft.com/office/drawing/2014/main" id="{6AF8F71E-2408-E799-2FFA-03D6E217215A}"/>
               </a:ext>
             </a:extLst>
           </p:cNvPr>
@@ -580,7 +580,7 @@
           <p:cNvPr id="3" name="竖排文字占位符 2">
             <a:extLst>
               <a:ext uri="{FF2B5EF4-FFF2-40B4-BE49-F238E27FC236}">
-                <a16:creationId xmlns:a16="http://schemas.microsoft.com/office/drawing/2014/main" id="{7B186516-E840-8B4A-3260-2ADFE0CBD151}"/>
+                <a16:creationId xmlns:a16="http://schemas.microsoft.com/office/drawing/2014/main" id="{27B84FFE-BD0A-48DD-6A3C-12A31F33A512}"/>
               </a:ext>
             </a:extLst>
           </p:cNvPr>
@@ -642,7 +642,7 @@
           <p:cNvPr id="4" name="日期占位符 3">
             <a:extLst>
               <a:ext uri="{FF2B5EF4-FFF2-40B4-BE49-F238E27FC236}">
-                <a16:creationId xmlns:a16="http://schemas.microsoft.com/office/drawing/2014/main" id="{C7A21A09-CF9C-0D61-B8AC-A2510E331AB7}"/>
+                <a16:creationId xmlns:a16="http://schemas.microsoft.com/office/drawing/2014/main" id="{E4F01B0D-2B6C-B121-60D3-AF060462B43C}"/>
               </a:ext>
             </a:extLst>
           </p:cNvPr>
@@ -658,7 +658,7 @@
           <a:bodyPr/>
           <a:lstStyle/>
           <a:p>
-            <a:fld id="{6E7F7ED6-0753-474D-8EA6-C9EA8205FC1F}" type="datetimeFigureOut">
+            <a:fld id="{7A0BFD00-6D92-416E-A26D-2B58A42E631A}" type="datetimeFigureOut">
               <a:rPr lang="zh-CN" altLang="en-US" smtClean="0"/>
               <a:t>2024/3/10</a:t>
             </a:fld>
@@ -671,7 +671,7 @@
           <p:cNvPr id="5" name="页脚占位符 4">
             <a:extLst>
               <a:ext uri="{FF2B5EF4-FFF2-40B4-BE49-F238E27FC236}">
-                <a16:creationId xmlns:a16="http://schemas.microsoft.com/office/drawing/2014/main" id="{5AB701F7-E762-7254-37A3-502A3B052A6D}"/>
+                <a16:creationId xmlns:a16="http://schemas.microsoft.com/office/drawing/2014/main" id="{492D4815-FDEF-823F-81A6-9C0E2EA5A6DB}"/>
               </a:ext>
             </a:extLst>
           </p:cNvPr>
@@ -696,7 +696,7 @@
           <p:cNvPr id="6" name="灯片编号占位符 5">
             <a:extLst>
               <a:ext uri="{FF2B5EF4-FFF2-40B4-BE49-F238E27FC236}">
-                <a16:creationId xmlns:a16="http://schemas.microsoft.com/office/drawing/2014/main" id="{DD91861B-D8EB-85A3-1F69-FD06BD977AA5}"/>
+                <a16:creationId xmlns:a16="http://schemas.microsoft.com/office/drawing/2014/main" id="{63FC1676-323D-5973-03C0-90C841ACAC7E}"/>
               </a:ext>
             </a:extLst>
           </p:cNvPr>
@@ -712,7 +712,7 @@
           <a:bodyPr/>
           <a:lstStyle/>
           <a:p>
-            <a:fld id="{76D6BF2B-1EFC-49EF-ACD0-4A74AFE874DA}" type="slidenum">
+            <a:fld id="{3308A0AE-F03E-4A48-86E9-B74AFA77E1E2}" type="slidenum">
               <a:rPr lang="zh-CN" altLang="en-US" smtClean="0"/>
               <a:t>‹#›</a:t>
             </a:fld>
@@ -723,7 +723,7 @@
     </p:spTree>
     <p:extLst>
       <p:ext uri="{BB962C8B-B14F-4D97-AF65-F5344CB8AC3E}">
-        <p14:creationId xmlns:p14="http://schemas.microsoft.com/office/powerpoint/2010/main" val="785648308"/>
+        <p14:creationId xmlns:p14="http://schemas.microsoft.com/office/powerpoint/2010/main" val="3918650671"/>
       </p:ext>
     </p:extLst>
   </p:cSld>
@@ -755,7 +755,7 @@
           <p:cNvPr id="2" name="标题 1">
             <a:extLst>
               <a:ext uri="{FF2B5EF4-FFF2-40B4-BE49-F238E27FC236}">
-                <a16:creationId xmlns:a16="http://schemas.microsoft.com/office/drawing/2014/main" id="{297E3051-CF7D-9CF7-0115-D42138530DEC}"/>
+                <a16:creationId xmlns:a16="http://schemas.microsoft.com/office/drawing/2014/main" id="{59665E90-A6DC-9105-F2E8-2D6082C180C5}"/>
               </a:ext>
             </a:extLst>
           </p:cNvPr>
@@ -783,7 +783,7 @@
           <p:cNvPr id="3" name="内容占位符 2">
             <a:extLst>
               <a:ext uri="{FF2B5EF4-FFF2-40B4-BE49-F238E27FC236}">
-                <a16:creationId xmlns:a16="http://schemas.microsoft.com/office/drawing/2014/main" id="{C525A628-43B2-D12B-343C-F464F8D70F3F}"/>
+                <a16:creationId xmlns:a16="http://schemas.microsoft.com/office/drawing/2014/main" id="{B2DB0E02-05E3-6600-A405-D46ACDC23C0A}"/>
               </a:ext>
             </a:extLst>
           </p:cNvPr>
@@ -840,7 +840,7 @@
           <p:cNvPr id="4" name="日期占位符 3">
             <a:extLst>
               <a:ext uri="{FF2B5EF4-FFF2-40B4-BE49-F238E27FC236}">
-                <a16:creationId xmlns:a16="http://schemas.microsoft.com/office/drawing/2014/main" id="{57A93852-0321-83C5-1AB8-D6DF934D8FF2}"/>
+                <a16:creationId xmlns:a16="http://schemas.microsoft.com/office/drawing/2014/main" id="{B8AAC04B-3B05-DB8E-347A-70C430850950}"/>
               </a:ext>
             </a:extLst>
           </p:cNvPr>
@@ -856,7 +856,7 @@
           <a:bodyPr/>
           <a:lstStyle/>
           <a:p>
-            <a:fld id="{6E7F7ED6-0753-474D-8EA6-C9EA8205FC1F}" type="datetimeFigureOut">
+            <a:fld id="{7A0BFD00-6D92-416E-A26D-2B58A42E631A}" type="datetimeFigureOut">
               <a:rPr lang="zh-CN" altLang="en-US" smtClean="0"/>
               <a:t>2024/3/10</a:t>
             </a:fld>
@@ -869,7 +869,7 @@
           <p:cNvPr id="5" name="页脚占位符 4">
             <a:extLst>
               <a:ext uri="{FF2B5EF4-FFF2-40B4-BE49-F238E27FC236}">
-                <a16:creationId xmlns:a16="http://schemas.microsoft.com/office/drawing/2014/main" id="{6184BEB6-C913-13F5-BA73-CE8A280812F0}"/>
+                <a16:creationId xmlns:a16="http://schemas.microsoft.com/office/drawing/2014/main" id="{E8ABB1F7-7F17-CEFD-70C3-8067B8964B82}"/>
               </a:ext>
             </a:extLst>
           </p:cNvPr>
@@ -894,7 +894,7 @@
           <p:cNvPr id="6" name="灯片编号占位符 5">
             <a:extLst>
               <a:ext uri="{FF2B5EF4-FFF2-40B4-BE49-F238E27FC236}">
-                <a16:creationId xmlns:a16="http://schemas.microsoft.com/office/drawing/2014/main" id="{2F764371-4DA8-3D22-E70E-0C0E88468F44}"/>
+                <a16:creationId xmlns:a16="http://schemas.microsoft.com/office/drawing/2014/main" id="{359C4410-8039-7437-D9F0-00972DCFD77B}"/>
               </a:ext>
             </a:extLst>
           </p:cNvPr>
@@ -910,7 +910,7 @@
           <a:bodyPr/>
           <a:lstStyle/>
           <a:p>
-            <a:fld id="{76D6BF2B-1EFC-49EF-ACD0-4A74AFE874DA}" type="slidenum">
+            <a:fld id="{3308A0AE-F03E-4A48-86E9-B74AFA77E1E2}" type="slidenum">
               <a:rPr lang="zh-CN" altLang="en-US" smtClean="0"/>
               <a:t>‹#›</a:t>
             </a:fld>
@@ -921,7 +921,7 @@
     </p:spTree>
     <p:extLst>
       <p:ext uri="{BB962C8B-B14F-4D97-AF65-F5344CB8AC3E}">
-        <p14:creationId xmlns:p14="http://schemas.microsoft.com/office/powerpoint/2010/main" val="1055717635"/>
+        <p14:creationId xmlns:p14="http://schemas.microsoft.com/office/powerpoint/2010/main" val="2347507832"/>
       </p:ext>
     </p:extLst>
   </p:cSld>
@@ -953,7 +953,7 @@
           <p:cNvPr id="2" name="标题 1">
             <a:extLst>
               <a:ext uri="{FF2B5EF4-FFF2-40B4-BE49-F238E27FC236}">
-                <a16:creationId xmlns:a16="http://schemas.microsoft.com/office/drawing/2014/main" id="{2A5CDB83-AAB7-DA85-910D-A0332E1A28F0}"/>
+                <a16:creationId xmlns:a16="http://schemas.microsoft.com/office/drawing/2014/main" id="{91616EE7-BE18-D25F-4C9B-5368B8F4402E}"/>
               </a:ext>
             </a:extLst>
           </p:cNvPr>
@@ -990,7 +990,7 @@
           <p:cNvPr id="3" name="文本占位符 2">
             <a:extLst>
               <a:ext uri="{FF2B5EF4-FFF2-40B4-BE49-F238E27FC236}">
-                <a16:creationId xmlns:a16="http://schemas.microsoft.com/office/drawing/2014/main" id="{D1EB0FCF-D2D6-E2B3-69F5-0FE642CC39EC}"/>
+                <a16:creationId xmlns:a16="http://schemas.microsoft.com/office/drawing/2014/main" id="{DCF15EB8-CCD0-2ACE-F81F-59023EEF05FE}"/>
               </a:ext>
             </a:extLst>
           </p:cNvPr>
@@ -1115,7 +1115,7 @@
           <p:cNvPr id="4" name="日期占位符 3">
             <a:extLst>
               <a:ext uri="{FF2B5EF4-FFF2-40B4-BE49-F238E27FC236}">
-                <a16:creationId xmlns:a16="http://schemas.microsoft.com/office/drawing/2014/main" id="{F5C1FB7A-C682-4AE9-32A0-6BB0A7090323}"/>
+                <a16:creationId xmlns:a16="http://schemas.microsoft.com/office/drawing/2014/main" id="{EEC09E92-6F29-4ADF-5104-1665652E6A64}"/>
               </a:ext>
             </a:extLst>
           </p:cNvPr>
@@ -1131,7 +1131,7 @@
           <a:bodyPr/>
           <a:lstStyle/>
           <a:p>
-            <a:fld id="{6E7F7ED6-0753-474D-8EA6-C9EA8205FC1F}" type="datetimeFigureOut">
+            <a:fld id="{7A0BFD00-6D92-416E-A26D-2B58A42E631A}" type="datetimeFigureOut">
               <a:rPr lang="zh-CN" altLang="en-US" smtClean="0"/>
               <a:t>2024/3/10</a:t>
             </a:fld>
@@ -1144,7 +1144,7 @@
           <p:cNvPr id="5" name="页脚占位符 4">
             <a:extLst>
               <a:ext uri="{FF2B5EF4-FFF2-40B4-BE49-F238E27FC236}">
-                <a16:creationId xmlns:a16="http://schemas.microsoft.com/office/drawing/2014/main" id="{F920CED3-86E1-C0E8-B7CB-E0390211AD4E}"/>
+                <a16:creationId xmlns:a16="http://schemas.microsoft.com/office/drawing/2014/main" id="{4B4009A0-555D-5BD3-B9E9-8A4E96298F05}"/>
               </a:ext>
             </a:extLst>
           </p:cNvPr>
@@ -1169,7 +1169,7 @@
           <p:cNvPr id="6" name="灯片编号占位符 5">
             <a:extLst>
               <a:ext uri="{FF2B5EF4-FFF2-40B4-BE49-F238E27FC236}">
-                <a16:creationId xmlns:a16="http://schemas.microsoft.com/office/drawing/2014/main" id="{032BEDE8-4240-8B4C-3612-4B1FF0874431}"/>
+                <a16:creationId xmlns:a16="http://schemas.microsoft.com/office/drawing/2014/main" id="{FE1226C7-2991-B42B-A320-69C5901BCE61}"/>
               </a:ext>
             </a:extLst>
           </p:cNvPr>
@@ -1185,7 +1185,7 @@
           <a:bodyPr/>
           <a:lstStyle/>
           <a:p>
-            <a:fld id="{76D6BF2B-1EFC-49EF-ACD0-4A74AFE874DA}" type="slidenum">
+            <a:fld id="{3308A0AE-F03E-4A48-86E9-B74AFA77E1E2}" type="slidenum">
               <a:rPr lang="zh-CN" altLang="en-US" smtClean="0"/>
               <a:t>‹#›</a:t>
             </a:fld>
@@ -1196,7 +1196,7 @@
     </p:spTree>
     <p:extLst>
       <p:ext uri="{BB962C8B-B14F-4D97-AF65-F5344CB8AC3E}">
-        <p14:creationId xmlns:p14="http://schemas.microsoft.com/office/powerpoint/2010/main" val="1445219061"/>
+        <p14:creationId xmlns:p14="http://schemas.microsoft.com/office/powerpoint/2010/main" val="4235145478"/>
       </p:ext>
     </p:extLst>
   </p:cSld>
@@ -1228,7 +1228,7 @@
           <p:cNvPr id="2" name="标题 1">
             <a:extLst>
               <a:ext uri="{FF2B5EF4-FFF2-40B4-BE49-F238E27FC236}">
-                <a16:creationId xmlns:a16="http://schemas.microsoft.com/office/drawing/2014/main" id="{F4AC868D-DF56-D691-C3B2-BE41D40D88AA}"/>
+                <a16:creationId xmlns:a16="http://schemas.microsoft.com/office/drawing/2014/main" id="{FC191F3C-4BCE-6189-0E19-9C1D3B198877}"/>
               </a:ext>
             </a:extLst>
           </p:cNvPr>
@@ -1256,7 +1256,7 @@
           <p:cNvPr id="3" name="内容占位符 2">
             <a:extLst>
               <a:ext uri="{FF2B5EF4-FFF2-40B4-BE49-F238E27FC236}">
-                <a16:creationId xmlns:a16="http://schemas.microsoft.com/office/drawing/2014/main" id="{7AB1F858-F1F2-4DF5-ADB9-11B45C3168CC}"/>
+                <a16:creationId xmlns:a16="http://schemas.microsoft.com/office/drawing/2014/main" id="{E04188D1-CF70-3972-B688-186B8C2EDB4F}"/>
               </a:ext>
             </a:extLst>
           </p:cNvPr>
@@ -1318,7 +1318,7 @@
           <p:cNvPr id="4" name="内容占位符 3">
             <a:extLst>
               <a:ext uri="{FF2B5EF4-FFF2-40B4-BE49-F238E27FC236}">
-                <a16:creationId xmlns:a16="http://schemas.microsoft.com/office/drawing/2014/main" id="{F95D9421-9087-527F-8C91-B384E17C4671}"/>
+                <a16:creationId xmlns:a16="http://schemas.microsoft.com/office/drawing/2014/main" id="{FD6C9CC8-7DAD-AE89-20B4-4D0968F97D07}"/>
               </a:ext>
             </a:extLst>
           </p:cNvPr>
@@ -1380,7 +1380,7 @@
           <p:cNvPr id="5" name="日期占位符 4">
             <a:extLst>
               <a:ext uri="{FF2B5EF4-FFF2-40B4-BE49-F238E27FC236}">
-                <a16:creationId xmlns:a16="http://schemas.microsoft.com/office/drawing/2014/main" id="{9BD86251-0543-5C39-FF3B-52423DDC0AE9}"/>
+                <a16:creationId xmlns:a16="http://schemas.microsoft.com/office/drawing/2014/main" id="{EADBCDE3-1CAB-5909-5FA6-065887DF42D5}"/>
               </a:ext>
             </a:extLst>
           </p:cNvPr>
@@ -1396,7 +1396,7 @@
           <a:bodyPr/>
           <a:lstStyle/>
           <a:p>
-            <a:fld id="{6E7F7ED6-0753-474D-8EA6-C9EA8205FC1F}" type="datetimeFigureOut">
+            <a:fld id="{7A0BFD00-6D92-416E-A26D-2B58A42E631A}" type="datetimeFigureOut">
               <a:rPr lang="zh-CN" altLang="en-US" smtClean="0"/>
               <a:t>2024/3/10</a:t>
             </a:fld>
@@ -1409,7 +1409,7 @@
           <p:cNvPr id="6" name="页脚占位符 5">
             <a:extLst>
               <a:ext uri="{FF2B5EF4-FFF2-40B4-BE49-F238E27FC236}">
-                <a16:creationId xmlns:a16="http://schemas.microsoft.com/office/drawing/2014/main" id="{25070431-30BC-9D81-57A2-2E762347ED29}"/>
+                <a16:creationId xmlns:a16="http://schemas.microsoft.com/office/drawing/2014/main" id="{314BA9A1-B75A-0F52-B1FA-059420899D44}"/>
               </a:ext>
             </a:extLst>
           </p:cNvPr>
@@ -1434,7 +1434,7 @@
           <p:cNvPr id="7" name="灯片编号占位符 6">
             <a:extLst>
               <a:ext uri="{FF2B5EF4-FFF2-40B4-BE49-F238E27FC236}">
-                <a16:creationId xmlns:a16="http://schemas.microsoft.com/office/drawing/2014/main" id="{48E23F87-6BA1-9FB2-38A5-FEE2E5907AF2}"/>
+                <a16:creationId xmlns:a16="http://schemas.microsoft.com/office/drawing/2014/main" id="{AD9C4C98-54AC-317C-D90C-309391A716B5}"/>
               </a:ext>
             </a:extLst>
           </p:cNvPr>
@@ -1450,7 +1450,7 @@
           <a:bodyPr/>
           <a:lstStyle/>
           <a:p>
-            <a:fld id="{76D6BF2B-1EFC-49EF-ACD0-4A74AFE874DA}" type="slidenum">
+            <a:fld id="{3308A0AE-F03E-4A48-86E9-B74AFA77E1E2}" type="slidenum">
               <a:rPr lang="zh-CN" altLang="en-US" smtClean="0"/>
               <a:t>‹#›</a:t>
             </a:fld>
@@ -1461,7 +1461,7 @@
     </p:spTree>
     <p:extLst>
       <p:ext uri="{BB962C8B-B14F-4D97-AF65-F5344CB8AC3E}">
-        <p14:creationId xmlns:p14="http://schemas.microsoft.com/office/powerpoint/2010/main" val="3144649545"/>
+        <p14:creationId xmlns:p14="http://schemas.microsoft.com/office/powerpoint/2010/main" val="762929219"/>
       </p:ext>
     </p:extLst>
   </p:cSld>
@@ -1493,7 +1493,7 @@
           <p:cNvPr id="2" name="标题 1">
             <a:extLst>
               <a:ext uri="{FF2B5EF4-FFF2-40B4-BE49-F238E27FC236}">
-                <a16:creationId xmlns:a16="http://schemas.microsoft.com/office/drawing/2014/main" id="{909800D6-1CDF-B009-8DC1-402953F9B62D}"/>
+                <a16:creationId xmlns:a16="http://schemas.microsoft.com/office/drawing/2014/main" id="{AC10BCC8-F1B5-53AC-C080-7DA11C357C09}"/>
               </a:ext>
             </a:extLst>
           </p:cNvPr>
@@ -1526,7 +1526,7 @@
           <p:cNvPr id="3" name="文本占位符 2">
             <a:extLst>
               <a:ext uri="{FF2B5EF4-FFF2-40B4-BE49-F238E27FC236}">
-                <a16:creationId xmlns:a16="http://schemas.microsoft.com/office/drawing/2014/main" id="{8E43CB1C-7C75-1937-D7B5-B5CD981D2586}"/>
+                <a16:creationId xmlns:a16="http://schemas.microsoft.com/office/drawing/2014/main" id="{845707FB-00A2-F6E3-D6CE-1F00A32608F0}"/>
               </a:ext>
             </a:extLst>
           </p:cNvPr>
@@ -1597,7 +1597,7 @@
           <p:cNvPr id="4" name="内容占位符 3">
             <a:extLst>
               <a:ext uri="{FF2B5EF4-FFF2-40B4-BE49-F238E27FC236}">
-                <a16:creationId xmlns:a16="http://schemas.microsoft.com/office/drawing/2014/main" id="{77C69217-7549-0CED-353B-B2B5BF0443DD}"/>
+                <a16:creationId xmlns:a16="http://schemas.microsoft.com/office/drawing/2014/main" id="{8F701168-4079-3348-8204-FC7E401C290D}"/>
               </a:ext>
             </a:extLst>
           </p:cNvPr>
@@ -1659,7 +1659,7 @@
           <p:cNvPr id="5" name="文本占位符 4">
             <a:extLst>
               <a:ext uri="{FF2B5EF4-FFF2-40B4-BE49-F238E27FC236}">
-                <a16:creationId xmlns:a16="http://schemas.microsoft.com/office/drawing/2014/main" id="{F469C626-F823-E29F-36AE-9054F50A6CB8}"/>
+                <a16:creationId xmlns:a16="http://schemas.microsoft.com/office/drawing/2014/main" id="{B3B351EF-F84A-1D82-5199-0EF9DCA8D029}"/>
               </a:ext>
             </a:extLst>
           </p:cNvPr>
@@ -1730,7 +1730,7 @@
           <p:cNvPr id="6" name="内容占位符 5">
             <a:extLst>
               <a:ext uri="{FF2B5EF4-FFF2-40B4-BE49-F238E27FC236}">
-                <a16:creationId xmlns:a16="http://schemas.microsoft.com/office/drawing/2014/main" id="{10BF592E-29DA-7795-57F2-A87A9F110FC5}"/>
+                <a16:creationId xmlns:a16="http://schemas.microsoft.com/office/drawing/2014/main" id="{2FDE51CF-B0D0-8155-3487-A13B09D071C1}"/>
               </a:ext>
             </a:extLst>
           </p:cNvPr>
@@ -1792,7 +1792,7 @@
           <p:cNvPr id="7" name="日期占位符 6">
             <a:extLst>
               <a:ext uri="{FF2B5EF4-FFF2-40B4-BE49-F238E27FC236}">
-                <a16:creationId xmlns:a16="http://schemas.microsoft.com/office/drawing/2014/main" id="{7AB1F013-B7B3-FF6F-162F-88166AAC1AB4}"/>
+                <a16:creationId xmlns:a16="http://schemas.microsoft.com/office/drawing/2014/main" id="{9D3B052F-B3BA-BCF3-231A-6F270B5769A2}"/>
               </a:ext>
             </a:extLst>
           </p:cNvPr>
@@ -1808,7 +1808,7 @@
           <a:bodyPr/>
           <a:lstStyle/>
           <a:p>
-            <a:fld id="{6E7F7ED6-0753-474D-8EA6-C9EA8205FC1F}" type="datetimeFigureOut">
+            <a:fld id="{7A0BFD00-6D92-416E-A26D-2B58A42E631A}" type="datetimeFigureOut">
               <a:rPr lang="zh-CN" altLang="en-US" smtClean="0"/>
               <a:t>2024/3/10</a:t>
             </a:fld>
@@ -1821,7 +1821,7 @@
           <p:cNvPr id="8" name="页脚占位符 7">
             <a:extLst>
               <a:ext uri="{FF2B5EF4-FFF2-40B4-BE49-F238E27FC236}">
-                <a16:creationId xmlns:a16="http://schemas.microsoft.com/office/drawing/2014/main" id="{AB26DC01-E1E0-A921-CB9E-491FD955B2A2}"/>
+                <a16:creationId xmlns:a16="http://schemas.microsoft.com/office/drawing/2014/main" id="{F24CE215-01E5-AD97-02C1-43575C55C205}"/>
               </a:ext>
             </a:extLst>
           </p:cNvPr>
@@ -1846,7 +1846,7 @@
           <p:cNvPr id="9" name="灯片编号占位符 8">
             <a:extLst>
               <a:ext uri="{FF2B5EF4-FFF2-40B4-BE49-F238E27FC236}">
-                <a16:creationId xmlns:a16="http://schemas.microsoft.com/office/drawing/2014/main" id="{960A69F0-E67C-D991-DABA-D46A01F31B70}"/>
+                <a16:creationId xmlns:a16="http://schemas.microsoft.com/office/drawing/2014/main" id="{83201AAC-F628-B6A3-F2E8-8F7EEF268718}"/>
               </a:ext>
             </a:extLst>
           </p:cNvPr>
@@ -1862,7 +1862,7 @@
           <a:bodyPr/>
           <a:lstStyle/>
           <a:p>
-            <a:fld id="{76D6BF2B-1EFC-49EF-ACD0-4A74AFE874DA}" type="slidenum">
+            <a:fld id="{3308A0AE-F03E-4A48-86E9-B74AFA77E1E2}" type="slidenum">
               <a:rPr lang="zh-CN" altLang="en-US" smtClean="0"/>
               <a:t>‹#›</a:t>
             </a:fld>
@@ -1873,7 +1873,7 @@
     </p:spTree>
     <p:extLst>
       <p:ext uri="{BB962C8B-B14F-4D97-AF65-F5344CB8AC3E}">
-        <p14:creationId xmlns:p14="http://schemas.microsoft.com/office/powerpoint/2010/main" val="2638905273"/>
+        <p14:creationId xmlns:p14="http://schemas.microsoft.com/office/powerpoint/2010/main" val="3021309703"/>
       </p:ext>
     </p:extLst>
   </p:cSld>
@@ -1905,7 +1905,7 @@
           <p:cNvPr id="2" name="标题 1">
             <a:extLst>
               <a:ext uri="{FF2B5EF4-FFF2-40B4-BE49-F238E27FC236}">
-                <a16:creationId xmlns:a16="http://schemas.microsoft.com/office/drawing/2014/main" id="{7527CA1B-1B83-6A74-E395-5BD742B8C847}"/>
+                <a16:creationId xmlns:a16="http://schemas.microsoft.com/office/drawing/2014/main" id="{ECE27A86-1262-A956-A0B1-9757F4F090EF}"/>
               </a:ext>
             </a:extLst>
           </p:cNvPr>
@@ -1933,7 +1933,7 @@
           <p:cNvPr id="3" name="日期占位符 2">
             <a:extLst>
               <a:ext uri="{FF2B5EF4-FFF2-40B4-BE49-F238E27FC236}">
-                <a16:creationId xmlns:a16="http://schemas.microsoft.com/office/drawing/2014/main" id="{D13942F4-5E01-20C9-70C4-4899D6A3692F}"/>
+                <a16:creationId xmlns:a16="http://schemas.microsoft.com/office/drawing/2014/main" id="{6D374C15-607D-765C-ADD8-DD099E0D3C0F}"/>
               </a:ext>
             </a:extLst>
           </p:cNvPr>
@@ -1949,7 +1949,7 @@
           <a:bodyPr/>
           <a:lstStyle/>
           <a:p>
-            <a:fld id="{6E7F7ED6-0753-474D-8EA6-C9EA8205FC1F}" type="datetimeFigureOut">
+            <a:fld id="{7A0BFD00-6D92-416E-A26D-2B58A42E631A}" type="datetimeFigureOut">
               <a:rPr lang="zh-CN" altLang="en-US" smtClean="0"/>
               <a:t>2024/3/10</a:t>
             </a:fld>
@@ -1962,7 +1962,7 @@
           <p:cNvPr id="4" name="页脚占位符 3">
             <a:extLst>
               <a:ext uri="{FF2B5EF4-FFF2-40B4-BE49-F238E27FC236}">
-                <a16:creationId xmlns:a16="http://schemas.microsoft.com/office/drawing/2014/main" id="{F0933E89-B37D-3D9C-3100-17173529B1FC}"/>
+                <a16:creationId xmlns:a16="http://schemas.microsoft.com/office/drawing/2014/main" id="{9D86983D-A4A3-88D4-A1D6-DA6237F00907}"/>
               </a:ext>
             </a:extLst>
           </p:cNvPr>
@@ -1987,7 +1987,7 @@
           <p:cNvPr id="5" name="灯片编号占位符 4">
             <a:extLst>
               <a:ext uri="{FF2B5EF4-FFF2-40B4-BE49-F238E27FC236}">
-                <a16:creationId xmlns:a16="http://schemas.microsoft.com/office/drawing/2014/main" id="{6C117B8D-C1FA-5E65-2C54-CCB75F0F3B0A}"/>
+                <a16:creationId xmlns:a16="http://schemas.microsoft.com/office/drawing/2014/main" id="{AAB7F7F2-4C65-F215-A0A3-27DF33CC2E39}"/>
               </a:ext>
             </a:extLst>
           </p:cNvPr>
@@ -2003,7 +2003,7 @@
           <a:bodyPr/>
           <a:lstStyle/>
           <a:p>
-            <a:fld id="{76D6BF2B-1EFC-49EF-ACD0-4A74AFE874DA}" type="slidenum">
+            <a:fld id="{3308A0AE-F03E-4A48-86E9-B74AFA77E1E2}" type="slidenum">
               <a:rPr lang="zh-CN" altLang="en-US" smtClean="0"/>
               <a:t>‹#›</a:t>
             </a:fld>
@@ -2014,7 +2014,7 @@
     </p:spTree>
     <p:extLst>
       <p:ext uri="{BB962C8B-B14F-4D97-AF65-F5344CB8AC3E}">
-        <p14:creationId xmlns:p14="http://schemas.microsoft.com/office/powerpoint/2010/main" val="3837514471"/>
+        <p14:creationId xmlns:p14="http://schemas.microsoft.com/office/powerpoint/2010/main" val="3346858322"/>
       </p:ext>
     </p:extLst>
   </p:cSld>
@@ -2046,7 +2046,7 @@
           <p:cNvPr id="2" name="日期占位符 1">
             <a:extLst>
               <a:ext uri="{FF2B5EF4-FFF2-40B4-BE49-F238E27FC236}">
-                <a16:creationId xmlns:a16="http://schemas.microsoft.com/office/drawing/2014/main" id="{AD8CF09A-363B-D2CA-4831-6A952CFBB22F}"/>
+                <a16:creationId xmlns:a16="http://schemas.microsoft.com/office/drawing/2014/main" id="{14B875DC-630E-2E3D-D915-72C4B052127D}"/>
               </a:ext>
             </a:extLst>
           </p:cNvPr>
@@ -2062,7 +2062,7 @@
           <a:bodyPr/>
           <a:lstStyle/>
           <a:p>
-            <a:fld id="{6E7F7ED6-0753-474D-8EA6-C9EA8205FC1F}" type="datetimeFigureOut">
+            <a:fld id="{7A0BFD00-6D92-416E-A26D-2B58A42E631A}" type="datetimeFigureOut">
               <a:rPr lang="zh-CN" altLang="en-US" smtClean="0"/>
               <a:t>2024/3/10</a:t>
             </a:fld>
@@ -2075,7 +2075,7 @@
           <p:cNvPr id="3" name="页脚占位符 2">
             <a:extLst>
               <a:ext uri="{FF2B5EF4-FFF2-40B4-BE49-F238E27FC236}">
-                <a16:creationId xmlns:a16="http://schemas.microsoft.com/office/drawing/2014/main" id="{1CA75BDF-E4F8-A335-6190-C9BD948A1ABB}"/>
+                <a16:creationId xmlns:a16="http://schemas.microsoft.com/office/drawing/2014/main" id="{E23844CD-3076-8E35-DDAD-06CBDF597197}"/>
               </a:ext>
             </a:extLst>
           </p:cNvPr>
@@ -2100,7 +2100,7 @@
           <p:cNvPr id="4" name="灯片编号占位符 3">
             <a:extLst>
               <a:ext uri="{FF2B5EF4-FFF2-40B4-BE49-F238E27FC236}">
-                <a16:creationId xmlns:a16="http://schemas.microsoft.com/office/drawing/2014/main" id="{BA7BCC85-C631-8019-A056-46E79009A8AD}"/>
+                <a16:creationId xmlns:a16="http://schemas.microsoft.com/office/drawing/2014/main" id="{C1653DAF-4425-3B7F-3FD0-F433C60E0F18}"/>
               </a:ext>
             </a:extLst>
           </p:cNvPr>
@@ -2116,7 +2116,7 @@
           <a:bodyPr/>
           <a:lstStyle/>
           <a:p>
-            <a:fld id="{76D6BF2B-1EFC-49EF-ACD0-4A74AFE874DA}" type="slidenum">
+            <a:fld id="{3308A0AE-F03E-4A48-86E9-B74AFA77E1E2}" type="slidenum">
               <a:rPr lang="zh-CN" altLang="en-US" smtClean="0"/>
               <a:t>‹#›</a:t>
             </a:fld>
@@ -2127,7 +2127,7 @@
     </p:spTree>
     <p:extLst>
       <p:ext uri="{BB962C8B-B14F-4D97-AF65-F5344CB8AC3E}">
-        <p14:creationId xmlns:p14="http://schemas.microsoft.com/office/powerpoint/2010/main" val="535085224"/>
+        <p14:creationId xmlns:p14="http://schemas.microsoft.com/office/powerpoint/2010/main" val="4190226281"/>
       </p:ext>
     </p:extLst>
   </p:cSld>
@@ -2159,7 +2159,7 @@
           <p:cNvPr id="2" name="标题 1">
             <a:extLst>
               <a:ext uri="{FF2B5EF4-FFF2-40B4-BE49-F238E27FC236}">
-                <a16:creationId xmlns:a16="http://schemas.microsoft.com/office/drawing/2014/main" id="{86494A17-CC16-5BC2-FAA6-9C79F2107DCA}"/>
+                <a16:creationId xmlns:a16="http://schemas.microsoft.com/office/drawing/2014/main" id="{E8BA1309-3673-9160-0003-79B72A6ED9BB}"/>
               </a:ext>
             </a:extLst>
           </p:cNvPr>
@@ -2196,7 +2196,7 @@
           <p:cNvPr id="3" name="内容占位符 2">
             <a:extLst>
               <a:ext uri="{FF2B5EF4-FFF2-40B4-BE49-F238E27FC236}">
-                <a16:creationId xmlns:a16="http://schemas.microsoft.com/office/drawing/2014/main" id="{2A7207B7-82CA-0AAC-874F-1CF1DAA5EBF4}"/>
+                <a16:creationId xmlns:a16="http://schemas.microsoft.com/office/drawing/2014/main" id="{A37A56A4-DF1E-0BC0-3EF1-90B761C2AB0A}"/>
               </a:ext>
             </a:extLst>
           </p:cNvPr>
@@ -2286,7 +2286,7 @@
           <p:cNvPr id="4" name="文本占位符 3">
             <a:extLst>
               <a:ext uri="{FF2B5EF4-FFF2-40B4-BE49-F238E27FC236}">
-                <a16:creationId xmlns:a16="http://schemas.microsoft.com/office/drawing/2014/main" id="{9EC340B0-4179-E9DC-C8A7-1E0FBA34231B}"/>
+                <a16:creationId xmlns:a16="http://schemas.microsoft.com/office/drawing/2014/main" id="{EE45923B-A563-828E-5F3F-56BE0D840F87}"/>
               </a:ext>
             </a:extLst>
           </p:cNvPr>
@@ -2357,7 +2357,7 @@
           <p:cNvPr id="5" name="日期占位符 4">
             <a:extLst>
               <a:ext uri="{FF2B5EF4-FFF2-40B4-BE49-F238E27FC236}">
-                <a16:creationId xmlns:a16="http://schemas.microsoft.com/office/drawing/2014/main" id="{D1857CEA-2916-2D09-CD94-1869EF48E5E1}"/>
+                <a16:creationId xmlns:a16="http://schemas.microsoft.com/office/drawing/2014/main" id="{C5A65BD5-7F6B-1677-23C1-EDF7A9686E69}"/>
               </a:ext>
             </a:extLst>
           </p:cNvPr>
@@ -2373,7 +2373,7 @@
           <a:bodyPr/>
           <a:lstStyle/>
           <a:p>
-            <a:fld id="{6E7F7ED6-0753-474D-8EA6-C9EA8205FC1F}" type="datetimeFigureOut">
+            <a:fld id="{7A0BFD00-6D92-416E-A26D-2B58A42E631A}" type="datetimeFigureOut">
               <a:rPr lang="zh-CN" altLang="en-US" smtClean="0"/>
               <a:t>2024/3/10</a:t>
             </a:fld>
@@ -2386,7 +2386,7 @@
           <p:cNvPr id="6" name="页脚占位符 5">
             <a:extLst>
               <a:ext uri="{FF2B5EF4-FFF2-40B4-BE49-F238E27FC236}">
-                <a16:creationId xmlns:a16="http://schemas.microsoft.com/office/drawing/2014/main" id="{3BA1CC8A-F889-92A9-B127-57EA55801EB3}"/>
+                <a16:creationId xmlns:a16="http://schemas.microsoft.com/office/drawing/2014/main" id="{9C627DBC-432B-70AB-262E-22F3C470CD59}"/>
               </a:ext>
             </a:extLst>
           </p:cNvPr>
@@ -2411,7 +2411,7 @@
           <p:cNvPr id="7" name="灯片编号占位符 6">
             <a:extLst>
               <a:ext uri="{FF2B5EF4-FFF2-40B4-BE49-F238E27FC236}">
-                <a16:creationId xmlns:a16="http://schemas.microsoft.com/office/drawing/2014/main" id="{6239D464-94B3-CA8F-AE63-B9DF5237250C}"/>
+                <a16:creationId xmlns:a16="http://schemas.microsoft.com/office/drawing/2014/main" id="{61A75CFC-6339-9CBD-DD5C-83F43BB747BC}"/>
               </a:ext>
             </a:extLst>
           </p:cNvPr>
@@ -2427,7 +2427,7 @@
           <a:bodyPr/>
           <a:lstStyle/>
           <a:p>
-            <a:fld id="{76D6BF2B-1EFC-49EF-ACD0-4A74AFE874DA}" type="slidenum">
+            <a:fld id="{3308A0AE-F03E-4A48-86E9-B74AFA77E1E2}" type="slidenum">
               <a:rPr lang="zh-CN" altLang="en-US" smtClean="0"/>
               <a:t>‹#›</a:t>
             </a:fld>
@@ -2438,7 +2438,7 @@
     </p:spTree>
     <p:extLst>
       <p:ext uri="{BB962C8B-B14F-4D97-AF65-F5344CB8AC3E}">
-        <p14:creationId xmlns:p14="http://schemas.microsoft.com/office/powerpoint/2010/main" val="3807228730"/>
+        <p14:creationId xmlns:p14="http://schemas.microsoft.com/office/powerpoint/2010/main" val="1260871433"/>
       </p:ext>
     </p:extLst>
   </p:cSld>
@@ -2470,7 +2470,7 @@
           <p:cNvPr id="2" name="标题 1">
             <a:extLst>
               <a:ext uri="{FF2B5EF4-FFF2-40B4-BE49-F238E27FC236}">
-                <a16:creationId xmlns:a16="http://schemas.microsoft.com/office/drawing/2014/main" id="{CF3A93B2-B645-F613-2965-13883564A7C3}"/>
+                <a16:creationId xmlns:a16="http://schemas.microsoft.com/office/drawing/2014/main" id="{999A092B-70E4-79AC-C79A-949935BFC4A8}"/>
               </a:ext>
             </a:extLst>
           </p:cNvPr>
@@ -2507,7 +2507,7 @@
           <p:cNvPr id="3" name="图片占位符 2">
             <a:extLst>
               <a:ext uri="{FF2B5EF4-FFF2-40B4-BE49-F238E27FC236}">
-                <a16:creationId xmlns:a16="http://schemas.microsoft.com/office/drawing/2014/main" id="{77A930BB-886F-42FF-D02F-19FC89637756}"/>
+                <a16:creationId xmlns:a16="http://schemas.microsoft.com/office/drawing/2014/main" id="{8C2CB56A-53BB-D073-35FF-32BEA327B2D8}"/>
               </a:ext>
             </a:extLst>
           </p:cNvPr>
@@ -2574,7 +2574,7 @@
           <p:cNvPr id="4" name="文本占位符 3">
             <a:extLst>
               <a:ext uri="{FF2B5EF4-FFF2-40B4-BE49-F238E27FC236}">
-                <a16:creationId xmlns:a16="http://schemas.microsoft.com/office/drawing/2014/main" id="{FE520650-B4D0-979D-68A4-7ABDA8C1B897}"/>
+                <a16:creationId xmlns:a16="http://schemas.microsoft.com/office/drawing/2014/main" id="{62A50122-AC35-5442-E133-BA9537FD5AA9}"/>
               </a:ext>
             </a:extLst>
           </p:cNvPr>
@@ -2645,7 +2645,7 @@
           <p:cNvPr id="5" name="日期占位符 4">
             <a:extLst>
               <a:ext uri="{FF2B5EF4-FFF2-40B4-BE49-F238E27FC236}">
-                <a16:creationId xmlns:a16="http://schemas.microsoft.com/office/drawing/2014/main" id="{FD732C14-BED8-A3F7-BC5B-213030D1364B}"/>
+                <a16:creationId xmlns:a16="http://schemas.microsoft.com/office/drawing/2014/main" id="{AA0A2CC1-DE5C-0D86-55F9-604DEC449A50}"/>
               </a:ext>
             </a:extLst>
           </p:cNvPr>
@@ -2661,7 +2661,7 @@
           <a:bodyPr/>
           <a:lstStyle/>
           <a:p>
-            <a:fld id="{6E7F7ED6-0753-474D-8EA6-C9EA8205FC1F}" type="datetimeFigureOut">
+            <a:fld id="{7A0BFD00-6D92-416E-A26D-2B58A42E631A}" type="datetimeFigureOut">
               <a:rPr lang="zh-CN" altLang="en-US" smtClean="0"/>
               <a:t>2024/3/10</a:t>
             </a:fld>
@@ -2674,7 +2674,7 @@
           <p:cNvPr id="6" name="页脚占位符 5">
             <a:extLst>
               <a:ext uri="{FF2B5EF4-FFF2-40B4-BE49-F238E27FC236}">
-                <a16:creationId xmlns:a16="http://schemas.microsoft.com/office/drawing/2014/main" id="{3A0F8527-200D-70B5-64E1-EC1B498CADB0}"/>
+                <a16:creationId xmlns:a16="http://schemas.microsoft.com/office/drawing/2014/main" id="{513B32BF-221C-5156-1C37-F6473D6A01F8}"/>
               </a:ext>
             </a:extLst>
           </p:cNvPr>
@@ -2699,7 +2699,7 @@
           <p:cNvPr id="7" name="灯片编号占位符 6">
             <a:extLst>
               <a:ext uri="{FF2B5EF4-FFF2-40B4-BE49-F238E27FC236}">
-                <a16:creationId xmlns:a16="http://schemas.microsoft.com/office/drawing/2014/main" id="{D8610BA0-1C4C-EC7C-3F43-A93482AD03BE}"/>
+                <a16:creationId xmlns:a16="http://schemas.microsoft.com/office/drawing/2014/main" id="{E82C88BA-A31A-A9B7-2461-A72FF4348E69}"/>
               </a:ext>
             </a:extLst>
           </p:cNvPr>
@@ -2715,7 +2715,7 @@
           <a:bodyPr/>
           <a:lstStyle/>
           <a:p>
-            <a:fld id="{76D6BF2B-1EFC-49EF-ACD0-4A74AFE874DA}" type="slidenum">
+            <a:fld id="{3308A0AE-F03E-4A48-86E9-B74AFA77E1E2}" type="slidenum">
               <a:rPr lang="zh-CN" altLang="en-US" smtClean="0"/>
               <a:t>‹#›</a:t>
             </a:fld>
@@ -2726,7 +2726,7 @@
     </p:spTree>
     <p:extLst>
       <p:ext uri="{BB962C8B-B14F-4D97-AF65-F5344CB8AC3E}">
-        <p14:creationId xmlns:p14="http://schemas.microsoft.com/office/powerpoint/2010/main" val="3595303456"/>
+        <p14:creationId xmlns:p14="http://schemas.microsoft.com/office/powerpoint/2010/main" val="2260821629"/>
       </p:ext>
     </p:extLst>
   </p:cSld>
@@ -2763,7 +2763,7 @@
           <p:cNvPr id="2" name="标题占位符 1">
             <a:extLst>
               <a:ext uri="{FF2B5EF4-FFF2-40B4-BE49-F238E27FC236}">
-                <a16:creationId xmlns:a16="http://schemas.microsoft.com/office/drawing/2014/main" id="{EB4F0F02-69CE-0E25-CF07-07B585D6813D}"/>
+                <a16:creationId xmlns:a16="http://schemas.microsoft.com/office/drawing/2014/main" id="{93FE84BF-2E0A-C07B-5F13-4C2C91ED1AFA}"/>
               </a:ext>
             </a:extLst>
           </p:cNvPr>
@@ -2801,7 +2801,7 @@
           <p:cNvPr id="3" name="文本占位符 2">
             <a:extLst>
               <a:ext uri="{FF2B5EF4-FFF2-40B4-BE49-F238E27FC236}">
-                <a16:creationId xmlns:a16="http://schemas.microsoft.com/office/drawing/2014/main" id="{9259B35F-AA11-D967-31CE-42145F83BD42}"/>
+                <a16:creationId xmlns:a16="http://schemas.microsoft.com/office/drawing/2014/main" id="{9890C26D-5D7C-33BA-E617-B0D8B44C7A14}"/>
               </a:ext>
             </a:extLst>
           </p:cNvPr>
@@ -2868,7 +2868,7 @@
           <p:cNvPr id="4" name="日期占位符 3">
             <a:extLst>
               <a:ext uri="{FF2B5EF4-FFF2-40B4-BE49-F238E27FC236}">
-                <a16:creationId xmlns:a16="http://schemas.microsoft.com/office/drawing/2014/main" id="{342B3AA5-D651-1282-8F9A-7E23DB4F96E7}"/>
+                <a16:creationId xmlns:a16="http://schemas.microsoft.com/office/drawing/2014/main" id="{0B6FD052-6B65-3DFA-F4F0-7755AAF6EC2E}"/>
               </a:ext>
             </a:extLst>
           </p:cNvPr>
@@ -2902,7 +2902,7 @@
             </a:lvl1pPr>
           </a:lstStyle>
           <a:p>
-            <a:fld id="{6E7F7ED6-0753-474D-8EA6-C9EA8205FC1F}" type="datetimeFigureOut">
+            <a:fld id="{7A0BFD00-6D92-416E-A26D-2B58A42E631A}" type="datetimeFigureOut">
               <a:rPr lang="zh-CN" altLang="en-US" smtClean="0"/>
               <a:t>2024/3/10</a:t>
             </a:fld>
@@ -2915,7 +2915,7 @@
           <p:cNvPr id="5" name="页脚占位符 4">
             <a:extLst>
               <a:ext uri="{FF2B5EF4-FFF2-40B4-BE49-F238E27FC236}">
-                <a16:creationId xmlns:a16="http://schemas.microsoft.com/office/drawing/2014/main" id="{9B8882FA-2082-5CC6-3AF4-4DDC10A9ECF0}"/>
+                <a16:creationId xmlns:a16="http://schemas.microsoft.com/office/drawing/2014/main" id="{5B8ADFB6-AF90-88C2-D96B-467C674BAAC2}"/>
               </a:ext>
             </a:extLst>
           </p:cNvPr>
@@ -2958,7 +2958,7 @@
           <p:cNvPr id="6" name="灯片编号占位符 5">
             <a:extLst>
               <a:ext uri="{FF2B5EF4-FFF2-40B4-BE49-F238E27FC236}">
-                <a16:creationId xmlns:a16="http://schemas.microsoft.com/office/drawing/2014/main" id="{086317F8-7A2C-6CE9-4245-985B26B911F5}"/>
+                <a16:creationId xmlns:a16="http://schemas.microsoft.com/office/drawing/2014/main" id="{6DE7D00E-CC6E-76C3-2A1B-8DA13D998DE9}"/>
               </a:ext>
             </a:extLst>
           </p:cNvPr>
@@ -2992,7 +2992,7 @@
             </a:lvl1pPr>
           </a:lstStyle>
           <a:p>
-            <a:fld id="{76D6BF2B-1EFC-49EF-ACD0-4A74AFE874DA}" type="slidenum">
+            <a:fld id="{3308A0AE-F03E-4A48-86E9-B74AFA77E1E2}" type="slidenum">
               <a:rPr lang="zh-CN" altLang="en-US" smtClean="0"/>
               <a:t>‹#›</a:t>
             </a:fld>
@@ -3003,7 +3003,7 @@
     </p:spTree>
     <p:extLst>
       <p:ext uri="{BB962C8B-B14F-4D97-AF65-F5344CB8AC3E}">
-        <p14:creationId xmlns:p14="http://schemas.microsoft.com/office/powerpoint/2010/main" val="186714271"/>
+        <p14:creationId xmlns:p14="http://schemas.microsoft.com/office/powerpoint/2010/main" val="421537897"/>
       </p:ext>
     </p:extLst>
   </p:cSld>
